--- a/Relatorio/user/image/PESTA/Diagrama/Diagrama_bloco.pptx
+++ b/Relatorio/user/image/PESTA/Diagrama/Diagrama_bloco.pptx
@@ -269,7 +269,7 @@
           <a:p>
             <a:fld id="{486408F3-248D-4767-B5FA-BB4B09811B03}" type="datetimeFigureOut">
               <a:rPr lang="en-GB" smtClean="0"/>
-              <a:t>12/05/2021</a:t>
+              <a:t>31/05/2021</a:t>
             </a:fld>
             <a:endParaRPr lang="en-GB"/>
           </a:p>
@@ -469,7 +469,7 @@
           <a:p>
             <a:fld id="{486408F3-248D-4767-B5FA-BB4B09811B03}" type="datetimeFigureOut">
               <a:rPr lang="en-GB" smtClean="0"/>
-              <a:t>12/05/2021</a:t>
+              <a:t>31/05/2021</a:t>
             </a:fld>
             <a:endParaRPr lang="en-GB"/>
           </a:p>
@@ -679,7 +679,7 @@
           <a:p>
             <a:fld id="{486408F3-248D-4767-B5FA-BB4B09811B03}" type="datetimeFigureOut">
               <a:rPr lang="en-GB" smtClean="0"/>
-              <a:t>12/05/2021</a:t>
+              <a:t>31/05/2021</a:t>
             </a:fld>
             <a:endParaRPr lang="en-GB"/>
           </a:p>
@@ -879,7 +879,7 @@
           <a:p>
             <a:fld id="{486408F3-248D-4767-B5FA-BB4B09811B03}" type="datetimeFigureOut">
               <a:rPr lang="en-GB" smtClean="0"/>
-              <a:t>12/05/2021</a:t>
+              <a:t>31/05/2021</a:t>
             </a:fld>
             <a:endParaRPr lang="en-GB"/>
           </a:p>
@@ -1155,7 +1155,7 @@
           <a:p>
             <a:fld id="{486408F3-248D-4767-B5FA-BB4B09811B03}" type="datetimeFigureOut">
               <a:rPr lang="en-GB" smtClean="0"/>
-              <a:t>12/05/2021</a:t>
+              <a:t>31/05/2021</a:t>
             </a:fld>
             <a:endParaRPr lang="en-GB"/>
           </a:p>
@@ -1423,7 +1423,7 @@
           <a:p>
             <a:fld id="{486408F3-248D-4767-B5FA-BB4B09811B03}" type="datetimeFigureOut">
               <a:rPr lang="en-GB" smtClean="0"/>
-              <a:t>12/05/2021</a:t>
+              <a:t>31/05/2021</a:t>
             </a:fld>
             <a:endParaRPr lang="en-GB"/>
           </a:p>
@@ -1838,7 +1838,7 @@
           <a:p>
             <a:fld id="{486408F3-248D-4767-B5FA-BB4B09811B03}" type="datetimeFigureOut">
               <a:rPr lang="en-GB" smtClean="0"/>
-              <a:t>12/05/2021</a:t>
+              <a:t>31/05/2021</a:t>
             </a:fld>
             <a:endParaRPr lang="en-GB"/>
           </a:p>
@@ -1980,7 +1980,7 @@
           <a:p>
             <a:fld id="{486408F3-248D-4767-B5FA-BB4B09811B03}" type="datetimeFigureOut">
               <a:rPr lang="en-GB" smtClean="0"/>
-              <a:t>12/05/2021</a:t>
+              <a:t>31/05/2021</a:t>
             </a:fld>
             <a:endParaRPr lang="en-GB"/>
           </a:p>
@@ -2093,7 +2093,7 @@
           <a:p>
             <a:fld id="{486408F3-248D-4767-B5FA-BB4B09811B03}" type="datetimeFigureOut">
               <a:rPr lang="en-GB" smtClean="0"/>
-              <a:t>12/05/2021</a:t>
+              <a:t>31/05/2021</a:t>
             </a:fld>
             <a:endParaRPr lang="en-GB"/>
           </a:p>
@@ -2406,7 +2406,7 @@
           <a:p>
             <a:fld id="{486408F3-248D-4767-B5FA-BB4B09811B03}" type="datetimeFigureOut">
               <a:rPr lang="en-GB" smtClean="0"/>
-              <a:t>12/05/2021</a:t>
+              <a:t>31/05/2021</a:t>
             </a:fld>
             <a:endParaRPr lang="en-GB"/>
           </a:p>
@@ -2695,7 +2695,7 @@
           <a:p>
             <a:fld id="{486408F3-248D-4767-B5FA-BB4B09811B03}" type="datetimeFigureOut">
               <a:rPr lang="en-GB" smtClean="0"/>
-              <a:t>12/05/2021</a:t>
+              <a:t>31/05/2021</a:t>
             </a:fld>
             <a:endParaRPr lang="en-GB"/>
           </a:p>
@@ -2938,7 +2938,7 @@
           <a:p>
             <a:fld id="{486408F3-248D-4767-B5FA-BB4B09811B03}" type="datetimeFigureOut">
               <a:rPr lang="en-GB" smtClean="0"/>
-              <a:t>12/05/2021</a:t>
+              <a:t>31/05/2021</a:t>
             </a:fld>
             <a:endParaRPr lang="en-GB"/>
           </a:p>
@@ -4305,7 +4305,7 @@
         <p:spPr>
           <a:xfrm>
             <a:off x="248869" y="2643653"/>
-            <a:ext cx="1545808" cy="369332"/>
+            <a:ext cx="1631152" cy="369332"/>
           </a:xfrm>
           <a:prstGeom prst="rect">
             <a:avLst/>
@@ -4320,7 +4320,7 @@
           <a:p>
             <a:r>
               <a:rPr lang="pt-PT" dirty="0"/>
-              <a:t>Célula de Peso</a:t>
+              <a:t>Célula de Carga</a:t>
             </a:r>
             <a:endParaRPr lang="en-GB" dirty="0"/>
           </a:p>
